--- a/CastReporting.Reporting/TemplatesFiles/Result-presentation-fr-sample2.pptx
+++ b/CastReporting.Reporting/TemplatesFiles/Result-presentation-fr-sample2.pptx
@@ -158,6 +158,56 @@
       </a:defRPr>
     </a:lvl9pPr>
   </p:defaultTextStyle>
+  <p:extLst>
+    <p:ext uri="{EFAFB233-063F-42B5-8137-9DF3F51BA10A}">
+      <p15:sldGuideLst xmlns:p15="http://schemas.microsoft.com/office/powerpoint/2012/main">
+        <p15:guide id="1" orient="horz" pos="2160">
+          <p15:clr>
+            <a:srgbClr val="A4A3A4"/>
+          </p15:clr>
+        </p15:guide>
+        <p15:guide id="2" orient="horz" pos="623">
+          <p15:clr>
+            <a:srgbClr val="A4A3A4"/>
+          </p15:clr>
+        </p15:guide>
+        <p15:guide id="3" orient="horz" pos="99">
+          <p15:clr>
+            <a:srgbClr val="A4A3A4"/>
+          </p15:clr>
+        </p15:guide>
+        <p15:guide id="4" pos="2880">
+          <p15:clr>
+            <a:srgbClr val="A4A3A4"/>
+          </p15:clr>
+        </p15:guide>
+        <p15:guide id="5" pos="205">
+          <p15:clr>
+            <a:srgbClr val="A4A3A4"/>
+          </p15:clr>
+        </p15:guide>
+        <p15:guide id="6" pos="5562">
+          <p15:clr>
+            <a:srgbClr val="A4A3A4"/>
+          </p15:clr>
+        </p15:guide>
+      </p15:sldGuideLst>
+    </p:ext>
+    <p:ext uri="{2D200454-40CA-4A62-9FC3-DE9A4176ACB9}">
+      <p15:notesGuideLst xmlns:p15="http://schemas.microsoft.com/office/powerpoint/2012/main">
+        <p15:guide id="1" orient="horz" pos="2928">
+          <p15:clr>
+            <a:srgbClr val="A4A3A4"/>
+          </p15:clr>
+        </p15:guide>
+        <p15:guide id="2" pos="2208">
+          <p15:clr>
+            <a:srgbClr val="A4A3A4"/>
+          </p15:clr>
+        </p15:guide>
+      </p15:notesGuideLst>
+    </p:ext>
+  </p:extLst>
 </p:presentation>
 </file>
 
@@ -224,6 +274,9 @@
               <c:showBubbleSize val="0"/>
               <c:separator>
 </c:separator>
+              <c:extLst>
+                <c:ext xmlns:c15="http://schemas.microsoft.com/office/drawing/2012/chart" uri="{CE6537A1-D6FC-4f65-9D91-7224C49458BB}"/>
+              </c:extLst>
             </c:dLbl>
             <c:dLbl>
               <c:idx val="1"/>
@@ -258,6 +311,9 @@
               <c:showBubbleSize val="0"/>
               <c:separator>
 </c:separator>
+              <c:extLst>
+                <c:ext xmlns:c15="http://schemas.microsoft.com/office/drawing/2012/chart" uri="{CE6537A1-D6FC-4f65-9D91-7224C49458BB}"/>
+              </c:extLst>
             </c:dLbl>
             <c:dLbl>
               <c:idx val="2"/>
@@ -275,6 +331,9 @@
               <c:showBubbleSize val="0"/>
               <c:separator>
 </c:separator>
+              <c:extLst>
+                <c:ext xmlns:c15="http://schemas.microsoft.com/office/drawing/2012/chart" uri="{CE6537A1-D6FC-4f65-9D91-7224C49458BB}"/>
+              </c:extLst>
             </c:dLbl>
             <c:dLbl>
               <c:idx val="3"/>
@@ -292,6 +351,9 @@
               <c:showBubbleSize val="0"/>
               <c:separator>
 </c:separator>
+              <c:extLst>
+                <c:ext xmlns:c15="http://schemas.microsoft.com/office/drawing/2012/chart" uri="{CE6537A1-D6FC-4f65-9D91-7224C49458BB}"/>
+              </c:extLst>
             </c:dLbl>
             <c:dLbl>
               <c:idx val="4"/>
@@ -309,7 +371,17 @@
               <c:showBubbleSize val="0"/>
               <c:separator>
 </c:separator>
+              <c:extLst>
+                <c:ext xmlns:c15="http://schemas.microsoft.com/office/drawing/2012/chart" uri="{CE6537A1-D6FC-4f65-9D91-7224C49458BB}"/>
+              </c:extLst>
             </c:dLbl>
+            <c:spPr>
+              <a:noFill/>
+              <a:ln>
+                <a:noFill/>
+              </a:ln>
+              <a:effectLst/>
+            </c:spPr>
             <c:txPr>
               <a:bodyPr/>
               <a:lstStyle/>
@@ -329,6 +401,9 @@
             <c:separator>
 </c:separator>
             <c:showLeaderLines val="0"/>
+            <c:extLst>
+              <c:ext xmlns:c15="http://schemas.microsoft.com/office/drawing/2012/chart" uri="{CE6537A1-D6FC-4f65-9D91-7224C49458BB}"/>
+            </c:extLst>
           </c:dLbls>
           <c:cat>
             <c:strRef>
@@ -454,6 +529,9 @@
               <c:showBubbleSize val="0"/>
               <c:separator>
 </c:separator>
+              <c:extLst>
+                <c:ext xmlns:c15="http://schemas.microsoft.com/office/drawing/2012/chart" uri="{CE6537A1-D6FC-4f65-9D91-7224C49458BB}"/>
+              </c:extLst>
             </c:dLbl>
             <c:dLbl>
               <c:idx val="4"/>
@@ -471,7 +549,17 @@
               <c:showBubbleSize val="0"/>
               <c:separator>
 </c:separator>
+              <c:extLst>
+                <c:ext xmlns:c15="http://schemas.microsoft.com/office/drawing/2012/chart" uri="{CE6537A1-D6FC-4f65-9D91-7224C49458BB}"/>
+              </c:extLst>
             </c:dLbl>
+            <c:spPr>
+              <a:noFill/>
+              <a:ln>
+                <a:noFill/>
+              </a:ln>
+              <a:effectLst/>
+            </c:spPr>
             <c:txPr>
               <a:bodyPr/>
               <a:lstStyle/>
@@ -491,6 +579,9 @@
             <c:separator>
 </c:separator>
             <c:showLeaderLines val="1"/>
+            <c:extLst>
+              <c:ext xmlns:c15="http://schemas.microsoft.com/office/drawing/2012/chart" uri="{CE6537A1-D6FC-4f65-9D91-7224C49458BB}"/>
+            </c:extLst>
           </c:dLbls>
           <c:cat>
             <c:strRef>
@@ -719,22 +810,22 @@
           <c:showPercent val="0"/>
           <c:showBubbleSize val="0"/>
         </c:dLbls>
-        <c:axId val="165408768"/>
-        <c:axId val="165411072"/>
+        <c:axId val="243858336"/>
+        <c:axId val="243859512"/>
       </c:radarChart>
       <c:catAx>
-        <c:axId val="165408768"/>
+        <c:axId val="243858336"/>
         <c:scaling>
           <c:orientation val="minMax"/>
         </c:scaling>
         <c:delete val="0"/>
         <c:axPos val="b"/>
         <c:majorGridlines/>
-        <c:numFmt formatCode="m/d/yyyy" sourceLinked="1"/>
+        <c:numFmt formatCode="General" sourceLinked="1"/>
         <c:majorTickMark val="out"/>
         <c:minorTickMark val="none"/>
         <c:tickLblPos val="nextTo"/>
-        <c:crossAx val="165411072"/>
+        <c:crossAx val="243859512"/>
         <c:crosses val="autoZero"/>
         <c:auto val="1"/>
         <c:lblAlgn val="ctr"/>
@@ -742,7 +833,7 @@
         <c:noMultiLvlLbl val="0"/>
       </c:catAx>
       <c:valAx>
-        <c:axId val="165411072"/>
+        <c:axId val="243859512"/>
         <c:scaling>
           <c:orientation val="minMax"/>
           <c:max val="4"/>
@@ -755,7 +846,7 @@
         <c:majorTickMark val="cross"/>
         <c:minorTickMark val="none"/>
         <c:tickLblPos val="nextTo"/>
-        <c:crossAx val="165408768"/>
+        <c:crossAx val="243858336"/>
         <c:crosses val="autoZero"/>
         <c:crossBetween val="between"/>
       </c:valAx>
@@ -829,17 +920,11 @@
           <c:order val="0"/>
           <c:tx>
             <c:strRef>
-              <c:f>Sheet1!$B$1:$B$3</c:f>
+              <c:f>Sheet1!$B$1</c:f>
               <c:strCache>
-                <c:ptCount val="3"/>
+                <c:ptCount val="1"/>
                 <c:pt idx="0">
                   <c:v>Prog</c:v>
-                </c:pt>
-                <c:pt idx="1">
-                  <c:v>3.00283744623705</c:v>
-                </c:pt>
-                <c:pt idx="2">
-                  <c:v>3.00283744623705</c:v>
                 </c:pt>
               </c:strCache>
             </c:strRef>
@@ -872,7 +957,7 @@
             <c:numRef>
               <c:f>Sheet1!$A$2:$A$3</c:f>
               <c:numCache>
-                <c:formatCode>dd/mm/yyyy</c:formatCode>
+                <c:formatCode>m/d/yyyy</c:formatCode>
                 <c:ptCount val="2"/>
                 <c:pt idx="0">
                   <c:v>41471</c:v>
@@ -905,17 +990,11 @@
           <c:order val="1"/>
           <c:tx>
             <c:strRef>
-              <c:f>Sheet1!$C$1:$C$3</c:f>
+              <c:f>Sheet1!$C$1</c:f>
               <c:strCache>
-                <c:ptCount val="3"/>
+                <c:ptCount val="1"/>
                 <c:pt idx="0">
                   <c:v>Arch</c:v>
-                </c:pt>
-                <c:pt idx="1">
-                  <c:v>2.8029747797949</c:v>
-                </c:pt>
-                <c:pt idx="2">
-                  <c:v>2.8029747797949</c:v>
                 </c:pt>
               </c:strCache>
             </c:strRef>
@@ -948,7 +1027,7 @@
             <c:numRef>
               <c:f>Sheet1!$A$2:$A$3</c:f>
               <c:numCache>
-                <c:formatCode>dd/mm/yyyy</c:formatCode>
+                <c:formatCode>m/d/yyyy</c:formatCode>
                 <c:ptCount val="2"/>
                 <c:pt idx="0">
                   <c:v>41471</c:v>
@@ -981,17 +1060,11 @@
           <c:order val="2"/>
           <c:tx>
             <c:strRef>
-              <c:f>Sheet1!$D$1:$D$3</c:f>
+              <c:f>Sheet1!$D$1</c:f>
               <c:strCache>
-                <c:ptCount val="3"/>
+                <c:ptCount val="1"/>
                 <c:pt idx="0">
                   <c:v>Doc</c:v>
-                </c:pt>
-                <c:pt idx="1">
-                  <c:v>2.8999152978372</c:v>
-                </c:pt>
-                <c:pt idx="2">
-                  <c:v>2.8999152978372</c:v>
                 </c:pt>
               </c:strCache>
             </c:strRef>
@@ -1025,7 +1098,7 @@
             <c:numRef>
               <c:f>Sheet1!$A$2:$A$3</c:f>
               <c:numCache>
-                <c:formatCode>dd/mm/yyyy</c:formatCode>
+                <c:formatCode>m/d/yyyy</c:formatCode>
                 <c:ptCount val="2"/>
                 <c:pt idx="0">
                   <c:v>41471</c:v>
@@ -1063,8 +1136,8 @@
         </c:dLbls>
         <c:marker val="1"/>
         <c:smooth val="0"/>
-        <c:axId val="142292096"/>
-        <c:axId val="142294016"/>
+        <c:axId val="243861472"/>
+        <c:axId val="243580856"/>
       </c:lineChart>
       <c:lineChart>
         <c:grouping val="standard"/>
@@ -1074,17 +1147,11 @@
           <c:order val="3"/>
           <c:tx>
             <c:strRef>
-              <c:f>Sheet1!$E$1:$E$3</c:f>
+              <c:f>Sheet1!$E$1</c:f>
               <c:strCache>
-                <c:ptCount val="3"/>
+                <c:ptCount val="1"/>
                 <c:pt idx="0">
                   <c:v>LoC</c:v>
-                </c:pt>
-                <c:pt idx="1">
-                  <c:v>247056</c:v>
-                </c:pt>
-                <c:pt idx="2">
-                  <c:v>247056</c:v>
                 </c:pt>
               </c:strCache>
             </c:strRef>
@@ -1116,7 +1183,7 @@
             <c:numRef>
               <c:f>Sheet1!$A$2:$A$3</c:f>
               <c:numCache>
-                <c:formatCode>dd/mm/yyyy</c:formatCode>
+                <c:formatCode>m/d/yyyy</c:formatCode>
                 <c:ptCount val="2"/>
                 <c:pt idx="0">
                   <c:v>41471</c:v>
@@ -1154,21 +1221,21 @@
         </c:dLbls>
         <c:marker val="1"/>
         <c:smooth val="0"/>
-        <c:axId val="142321920"/>
-        <c:axId val="142320384"/>
+        <c:axId val="294995376"/>
+        <c:axId val="294993808"/>
       </c:lineChart>
       <c:catAx>
-        <c:axId val="142292096"/>
+        <c:axId val="243861472"/>
         <c:scaling>
           <c:orientation val="minMax"/>
         </c:scaling>
         <c:delete val="0"/>
         <c:axPos val="b"/>
-        <c:numFmt formatCode="dd/mm/yyyy" sourceLinked="1"/>
+        <c:numFmt formatCode="m/d/yyyy" sourceLinked="1"/>
         <c:majorTickMark val="out"/>
         <c:minorTickMark val="none"/>
         <c:tickLblPos val="nextTo"/>
-        <c:crossAx val="142294016"/>
+        <c:crossAx val="243580856"/>
         <c:crosses val="autoZero"/>
         <c:auto val="0"/>
         <c:lblAlgn val="ctr"/>
@@ -1176,7 +1243,7 @@
         <c:noMultiLvlLbl val="1"/>
       </c:catAx>
       <c:valAx>
-        <c:axId val="142294016"/>
+        <c:axId val="243580856"/>
         <c:scaling>
           <c:orientation val="minMax"/>
           <c:max val="4.0999999999999996"/>
@@ -1210,13 +1277,13 @@
             </a:solidFill>
           </a:ln>
         </c:spPr>
-        <c:crossAx val="142292096"/>
+        <c:crossAx val="243861472"/>
         <c:crosses val="autoZero"/>
         <c:crossBetween val="midCat"/>
         <c:majorUnit val="0.5"/>
       </c:valAx>
       <c:valAx>
-        <c:axId val="142320384"/>
+        <c:axId val="294993808"/>
         <c:scaling>
           <c:orientation val="minMax"/>
         </c:scaling>
@@ -1226,26 +1293,26 @@
         <c:majorTickMark val="out"/>
         <c:minorTickMark val="none"/>
         <c:tickLblPos val="nextTo"/>
-        <c:crossAx val="142321920"/>
+        <c:crossAx val="294995376"/>
         <c:crosses val="max"/>
         <c:crossBetween val="between"/>
       </c:valAx>
       <c:dateAx>
-        <c:axId val="142321920"/>
+        <c:axId val="294995376"/>
         <c:scaling>
           <c:orientation val="minMax"/>
         </c:scaling>
         <c:delete val="1"/>
         <c:axPos val="b"/>
-        <c:numFmt formatCode="dd/mm/yyyy" sourceLinked="1"/>
+        <c:numFmt formatCode="m/d/yyyy" sourceLinked="1"/>
         <c:majorTickMark val="out"/>
         <c:minorTickMark val="none"/>
         <c:tickLblPos val="none"/>
-        <c:crossAx val="142320384"/>
+        <c:crossAx val="294993808"/>
         <c:crosses val="autoZero"/>
         <c:auto val="1"/>
         <c:lblOffset val="100"/>
-        <c:baseTimeUnit val="years"/>
+        <c:baseTimeUnit val="days"/>
       </c:dateAx>
     </c:plotArea>
     <c:legend>
@@ -1312,26 +1379,11 @@
           <c:order val="0"/>
           <c:tx>
             <c:strRef>
-              <c:f>Sheet1!$B$1:$B$6</c:f>
+              <c:f>Sheet1!$B$1</c:f>
               <c:strCache>
-                <c:ptCount val="6"/>
+                <c:ptCount val="1"/>
                 <c:pt idx="0">
                   <c:v>v2</c:v>
-                </c:pt>
-                <c:pt idx="1">
-                  <c:v>3.04350653145556</c:v>
-                </c:pt>
-                <c:pt idx="2">
-                  <c:v>3.08486441207873</c:v>
-                </c:pt>
-                <c:pt idx="3">
-                  <c:v>3.07004373496009</c:v>
-                </c:pt>
-                <c:pt idx="4">
-                  <c:v>3.00229347278308</c:v>
-                </c:pt>
-                <c:pt idx="5">
-                  <c:v>2.70247352545305</c:v>
                 </c:pt>
               </c:strCache>
             </c:strRef>
@@ -1389,26 +1441,11 @@
           <c:order val="1"/>
           <c:tx>
             <c:strRef>
-              <c:f>Sheet1!$C$1:$C$6</c:f>
+              <c:f>Sheet1!$C$1</c:f>
               <c:strCache>
-                <c:ptCount val="6"/>
+                <c:ptCount val="1"/>
                 <c:pt idx="0">
                   <c:v>v1</c:v>
-                </c:pt>
-                <c:pt idx="1">
-                  <c:v>3.11871616254057</c:v>
-                </c:pt>
-                <c:pt idx="2">
-                  <c:v>3.24086766339442</c:v>
-                </c:pt>
-                <c:pt idx="3">
-                  <c:v>3.20030468959902</c:v>
-                </c:pt>
-                <c:pt idx="4">
-                  <c:v>2.96495006247484</c:v>
-                </c:pt>
-                <c:pt idx="5">
-                  <c:v>2.80289360544987</c:v>
                 </c:pt>
               </c:strCache>
             </c:strRef>
@@ -1478,22 +1515,22 @@
           <c:showPercent val="0"/>
           <c:showBubbleSize val="0"/>
         </c:dLbls>
-        <c:axId val="143637120"/>
-        <c:axId val="159781248"/>
+        <c:axId val="297695400"/>
+        <c:axId val="297699320"/>
       </c:radarChart>
       <c:catAx>
-        <c:axId val="143637120"/>
+        <c:axId val="297695400"/>
         <c:scaling>
           <c:orientation val="minMax"/>
         </c:scaling>
         <c:delete val="0"/>
         <c:axPos val="b"/>
         <c:majorGridlines/>
-        <c:numFmt formatCode="m/d/yyyy" sourceLinked="1"/>
+        <c:numFmt formatCode="General" sourceLinked="1"/>
         <c:majorTickMark val="out"/>
         <c:minorTickMark val="none"/>
         <c:tickLblPos val="nextTo"/>
-        <c:crossAx val="159781248"/>
+        <c:crossAx val="297699320"/>
         <c:crosses val="autoZero"/>
         <c:auto val="1"/>
         <c:lblAlgn val="ctr"/>
@@ -1501,7 +1538,7 @@
         <c:noMultiLvlLbl val="0"/>
       </c:catAx>
       <c:valAx>
-        <c:axId val="159781248"/>
+        <c:axId val="297699320"/>
         <c:scaling>
           <c:orientation val="minMax"/>
           <c:max val="4"/>
@@ -1514,7 +1551,7 @@
         <c:majorTickMark val="cross"/>
         <c:minorTickMark val="none"/>
         <c:tickLblPos val="nextTo"/>
-        <c:crossAx val="143637120"/>
+        <c:crossAx val="297695400"/>
         <c:crosses val="autoZero"/>
         <c:crossBetween val="between"/>
       </c:valAx>
@@ -1588,17 +1625,11 @@
           <c:order val="0"/>
           <c:tx>
             <c:strRef>
-              <c:f>Sheet1!$B$1:$B$3</c:f>
+              <c:f>Sheet1!$B$1</c:f>
               <c:strCache>
-                <c:ptCount val="3"/>
+                <c:ptCount val="1"/>
                 <c:pt idx="0">
                   <c:v>Trsf</c:v>
-                </c:pt>
-                <c:pt idx="1">
-                  <c:v>3.22227833485407</c:v>
-                </c:pt>
-                <c:pt idx="2">
-                  <c:v>3.22227833485407</c:v>
                 </c:pt>
               </c:strCache>
             </c:strRef>
@@ -1631,7 +1662,7 @@
             <c:numRef>
               <c:f>Sheet1!$A$2:$A$3</c:f>
               <c:numCache>
-                <c:formatCode>dd/mm/yyyy</c:formatCode>
+                <c:formatCode>m/d/yyyy</c:formatCode>
                 <c:ptCount val="2"/>
                 <c:pt idx="0">
                   <c:v>41471</c:v>
@@ -1664,17 +1695,11 @@
           <c:order val="1"/>
           <c:tx>
             <c:strRef>
-              <c:f>Sheet1!$C$1:$C$3</c:f>
+              <c:f>Sheet1!$C$1</c:f>
               <c:strCache>
-                <c:ptCount val="3"/>
+                <c:ptCount val="1"/>
                 <c:pt idx="0">
                   <c:v>Chng</c:v>
-                </c:pt>
-                <c:pt idx="1">
-                  <c:v>3.37460353532239</c:v>
-                </c:pt>
-                <c:pt idx="2">
-                  <c:v>3.37460353532239</c:v>
                 </c:pt>
               </c:strCache>
             </c:strRef>
@@ -1707,7 +1732,7 @@
             <c:numRef>
               <c:f>Sheet1!$A$2:$A$3</c:f>
               <c:numCache>
-                <c:formatCode>dd/mm/yyyy</c:formatCode>
+                <c:formatCode>m/d/yyyy</c:formatCode>
                 <c:ptCount val="2"/>
                 <c:pt idx="0">
                   <c:v>41471</c:v>
@@ -1740,17 +1765,11 @@
           <c:order val="2"/>
           <c:tx>
             <c:strRef>
-              <c:f>Sheet1!$D$1:$D$3</c:f>
+              <c:f>Sheet1!$D$1</c:f>
               <c:strCache>
-                <c:ptCount val="3"/>
+                <c:ptCount val="1"/>
                 <c:pt idx="0">
                   <c:v>Rbst</c:v>
-                </c:pt>
-                <c:pt idx="1">
-                  <c:v>3.09802700425708</c:v>
-                </c:pt>
-                <c:pt idx="2">
-                  <c:v>3.09802700425708</c:v>
                 </c:pt>
               </c:strCache>
             </c:strRef>
@@ -1779,7 +1798,7 @@
             <c:numRef>
               <c:f>Sheet1!$A$2:$A$3</c:f>
               <c:numCache>
-                <c:formatCode>dd/mm/yyyy</c:formatCode>
+                <c:formatCode>m/d/yyyy</c:formatCode>
                 <c:ptCount val="2"/>
                 <c:pt idx="0">
                   <c:v>41471</c:v>
@@ -1812,17 +1831,11 @@
           <c:order val="3"/>
           <c:tx>
             <c:strRef>
-              <c:f>Sheet1!$E$1:$E$3</c:f>
+              <c:f>Sheet1!$E$1</c:f>
               <c:strCache>
-                <c:ptCount val="3"/>
+                <c:ptCount val="1"/>
                 <c:pt idx="0">
                   <c:v>Perf</c:v>
-                </c:pt>
-                <c:pt idx="1">
-                  <c:v>2.72303216273802</c:v>
-                </c:pt>
-                <c:pt idx="2">
-                  <c:v>2.72303216273802</c:v>
                 </c:pt>
               </c:strCache>
             </c:strRef>
@@ -1855,7 +1868,7 @@
             <c:numRef>
               <c:f>Sheet1!$A$2:$A$3</c:f>
               <c:numCache>
-                <c:formatCode>dd/mm/yyyy</c:formatCode>
+                <c:formatCode>m/d/yyyy</c:formatCode>
                 <c:ptCount val="2"/>
                 <c:pt idx="0">
                   <c:v>41471</c:v>
@@ -1888,17 +1901,11 @@
           <c:order val="4"/>
           <c:tx>
             <c:strRef>
-              <c:f>Sheet1!$F$1:$F$3</c:f>
+              <c:f>Sheet1!$F$1</c:f>
               <c:strCache>
-                <c:ptCount val="3"/>
+                <c:ptCount val="1"/>
                 <c:pt idx="0">
                   <c:v>Secu</c:v>
-                </c:pt>
-                <c:pt idx="1">
-                  <c:v>2.76437781818584</c:v>
-                </c:pt>
-                <c:pt idx="2">
-                  <c:v>2.76437781818584</c:v>
                 </c:pt>
               </c:strCache>
             </c:strRef>
@@ -1931,7 +1938,7 @@
             <c:numRef>
               <c:f>Sheet1!$A$2:$A$3</c:f>
               <c:numCache>
-                <c:formatCode>dd/mm/yyyy</c:formatCode>
+                <c:formatCode>m/d/yyyy</c:formatCode>
                 <c:ptCount val="2"/>
                 <c:pt idx="0">
                   <c:v>41471</c:v>
@@ -1969,8 +1976,8 @@
         </c:dLbls>
         <c:marker val="1"/>
         <c:smooth val="0"/>
-        <c:axId val="159875840"/>
-        <c:axId val="159877760"/>
+        <c:axId val="297700496"/>
+        <c:axId val="297694616"/>
       </c:lineChart>
       <c:lineChart>
         <c:grouping val="standard"/>
@@ -1980,17 +1987,11 @@
           <c:order val="5"/>
           <c:tx>
             <c:strRef>
-              <c:f>Sheet1!$G$1:$G$3</c:f>
+              <c:f>Sheet1!$G$1</c:f>
               <c:strCache>
-                <c:ptCount val="3"/>
+                <c:ptCount val="1"/>
                 <c:pt idx="0">
                   <c:v>LoC</c:v>
-                </c:pt>
-                <c:pt idx="1">
-                  <c:v>247056</c:v>
-                </c:pt>
-                <c:pt idx="2">
-                  <c:v>247056</c:v>
                 </c:pt>
               </c:strCache>
             </c:strRef>
@@ -2022,7 +2023,7 @@
             <c:numRef>
               <c:f>Sheet1!$A$2:$A$3</c:f>
               <c:numCache>
-                <c:formatCode>dd/mm/yyyy</c:formatCode>
+                <c:formatCode>m/d/yyyy</c:formatCode>
                 <c:ptCount val="2"/>
                 <c:pt idx="0">
                   <c:v>41471</c:v>
@@ -2060,24 +2061,24 @@
         </c:dLbls>
         <c:marker val="1"/>
         <c:smooth val="0"/>
-        <c:axId val="159897472"/>
-        <c:axId val="159895936"/>
+        <c:axId val="297695008"/>
+        <c:axId val="297700104"/>
       </c:lineChart>
       <c:catAx>
-        <c:axId val="159875840"/>
+        <c:axId val="297700496"/>
         <c:scaling>
           <c:orientation val="minMax"/>
         </c:scaling>
         <c:delete val="0"/>
         <c:axPos val="b"/>
-        <c:numFmt formatCode="dd/mm/yyyy" sourceLinked="1"/>
+        <c:numFmt formatCode="m/d/yyyy" sourceLinked="1"/>
         <c:majorTickMark val="out"/>
         <c:minorTickMark val="none"/>
         <c:tickLblPos val="nextTo"/>
         <c:spPr>
           <a:ln w="12700" cmpd="sng"/>
         </c:spPr>
-        <c:crossAx val="159877760"/>
+        <c:crossAx val="297694616"/>
         <c:crosses val="autoZero"/>
         <c:auto val="0"/>
         <c:lblAlgn val="ctr"/>
@@ -2085,7 +2086,7 @@
         <c:noMultiLvlLbl val="1"/>
       </c:catAx>
       <c:valAx>
-        <c:axId val="159877760"/>
+        <c:axId val="297694616"/>
         <c:scaling>
           <c:orientation val="minMax"/>
           <c:max val="3.6"/>
@@ -2111,13 +2112,13 @@
         <c:spPr>
           <a:ln w="9525"/>
         </c:spPr>
-        <c:crossAx val="159875840"/>
+        <c:crossAx val="297700496"/>
         <c:crosses val="autoZero"/>
         <c:crossBetween val="midCat"/>
         <c:majorUnit val="0.5"/>
       </c:valAx>
       <c:valAx>
-        <c:axId val="159895936"/>
+        <c:axId val="297700104"/>
         <c:scaling>
           <c:orientation val="minMax"/>
         </c:scaling>
@@ -2127,26 +2128,26 @@
         <c:majorTickMark val="out"/>
         <c:minorTickMark val="none"/>
         <c:tickLblPos val="nextTo"/>
-        <c:crossAx val="159897472"/>
+        <c:crossAx val="297695008"/>
         <c:crosses val="max"/>
         <c:crossBetween val="between"/>
       </c:valAx>
       <c:dateAx>
-        <c:axId val="159897472"/>
+        <c:axId val="297695008"/>
         <c:scaling>
           <c:orientation val="minMax"/>
         </c:scaling>
         <c:delete val="1"/>
         <c:axPos val="b"/>
-        <c:numFmt formatCode="dd/mm/yyyy" sourceLinked="1"/>
+        <c:numFmt formatCode="m/d/yyyy" sourceLinked="1"/>
         <c:majorTickMark val="out"/>
         <c:minorTickMark val="none"/>
         <c:tickLblPos val="none"/>
-        <c:crossAx val="159895936"/>
+        <c:crossAx val="297700104"/>
         <c:crosses val="autoZero"/>
         <c:auto val="1"/>
         <c:lblOffset val="100"/>
-        <c:baseTimeUnit val="years"/>
+        <c:baseTimeUnit val="days"/>
       </c:dateAx>
       <c:spPr>
         <a:noFill/>
@@ -2219,29 +2220,11 @@
           <c:order val="0"/>
           <c:tx>
             <c:strRef>
-              <c:f>Sheet1!$B$1:$B$7</c:f>
+              <c:f>Sheet1!$B$1</c:f>
               <c:strCache>
-                <c:ptCount val="7"/>
+                <c:ptCount val="1"/>
                 <c:pt idx="0">
                   <c:v>v2</c:v>
-                </c:pt>
-                <c:pt idx="1">
-                  <c:v>0</c:v>
-                </c:pt>
-                <c:pt idx="2">
-                  <c:v>2553</c:v>
-                </c:pt>
-                <c:pt idx="3">
-                  <c:v>280</c:v>
-                </c:pt>
-                <c:pt idx="4">
-                  <c:v>60</c:v>
-                </c:pt>
-                <c:pt idx="5">
-                  <c:v>27</c:v>
-                </c:pt>
-                <c:pt idx="6">
-                  <c:v>0</c:v>
                 </c:pt>
               </c:strCache>
             </c:strRef>
@@ -2260,10 +2243,7 @@
             <c:strRef>
               <c:f>Sheet1!$A$2:$A$7</c:f>
               <c:strCache>
-                <c:ptCount val="6"/>
-                <c:pt idx="0">
-                  <c:v> </c:v>
-                </c:pt>
+                <c:ptCount val="5"/>
                 <c:pt idx="1">
                   <c:v>Low</c:v>
                 </c:pt>
@@ -2275,9 +2255,6 @@
                 </c:pt>
                 <c:pt idx="4">
                   <c:v>Very High</c:v>
-                </c:pt>
-                <c:pt idx="5">
-                  <c:v> </c:v>
                 </c:pt>
               </c:strCache>
             </c:strRef>
@@ -2316,29 +2293,11 @@
           <c:order val="1"/>
           <c:tx>
             <c:strRef>
-              <c:f>Sheet1!$C$1:$C$7</c:f>
+              <c:f>Sheet1!$C$1</c:f>
               <c:strCache>
-                <c:ptCount val="7"/>
+                <c:ptCount val="1"/>
                 <c:pt idx="0">
                   <c:v>v1</c:v>
-                </c:pt>
-                <c:pt idx="1">
-                  <c:v>0</c:v>
-                </c:pt>
-                <c:pt idx="2">
-                  <c:v>2553</c:v>
-                </c:pt>
-                <c:pt idx="3">
-                  <c:v>219</c:v>
-                </c:pt>
-                <c:pt idx="4">
-                  <c:v>61</c:v>
-                </c:pt>
-                <c:pt idx="5">
-                  <c:v>21</c:v>
-                </c:pt>
-                <c:pt idx="6">
-                  <c:v>0</c:v>
                 </c:pt>
               </c:strCache>
             </c:strRef>
@@ -2360,10 +2319,7 @@
             <c:strRef>
               <c:f>Sheet1!$A$2:$A$7</c:f>
               <c:strCache>
-                <c:ptCount val="6"/>
-                <c:pt idx="0">
-                  <c:v> </c:v>
-                </c:pt>
+                <c:ptCount val="5"/>
                 <c:pt idx="1">
                   <c:v>Low</c:v>
                 </c:pt>
@@ -2375,9 +2331,6 @@
                 </c:pt>
                 <c:pt idx="4">
                   <c:v>Very High</c:v>
-                </c:pt>
-                <c:pt idx="5">
-                  <c:v> </c:v>
                 </c:pt>
               </c:strCache>
             </c:strRef>
@@ -2419,22 +2372,22 @@
           <c:showPercent val="0"/>
           <c:showBubbleSize val="0"/>
         </c:dLbls>
-        <c:marker val="1"/>
         <c:smooth val="0"/>
-        <c:axId val="42375424"/>
-        <c:axId val="42377216"/>
+        <c:axId val="294999296"/>
+        <c:axId val="364109280"/>
       </c:lineChart>
       <c:catAx>
-        <c:axId val="42375424"/>
+        <c:axId val="294999296"/>
         <c:scaling>
           <c:orientation val="minMax"/>
         </c:scaling>
         <c:delete val="0"/>
         <c:axPos val="b"/>
+        <c:numFmt formatCode="General" sourceLinked="0"/>
         <c:majorTickMark val="out"/>
         <c:minorTickMark val="none"/>
         <c:tickLblPos val="nextTo"/>
-        <c:crossAx val="42377216"/>
+        <c:crossAx val="364109280"/>
         <c:crosses val="autoZero"/>
         <c:auto val="1"/>
         <c:lblAlgn val="ctr"/>
@@ -2442,7 +2395,7 @@
         <c:noMultiLvlLbl val="0"/>
       </c:catAx>
       <c:valAx>
-        <c:axId val="42377216"/>
+        <c:axId val="364109280"/>
         <c:scaling>
           <c:orientation val="minMax"/>
           <c:min val="0"/>
@@ -2464,7 +2417,7 @@
             <a:endParaRPr lang="en-US"/>
           </a:p>
         </c:txPr>
-        <c:crossAx val="42375424"/>
+        <c:crossAx val="294999296"/>
         <c:crosses val="autoZero"/>
         <c:crossBetween val="midCat"/>
       </c:valAx>
@@ -3314,7 +3267,7 @@
             <a:fld id="{04CB0932-5374-488D-B3E0-D153BEE11C16}" type="datetime1">
               <a:rPr lang="fr-FR" smtClean="0"/>
               <a:pPr/>
-              <a:t>08/12/2014</a:t>
+              <a:t>01/02/2016</a:t>
             </a:fld>
             <a:endParaRPr lang="fr-FR" dirty="0" smtClean="0"/>
           </a:p>
@@ -3422,6 +3375,11 @@
         </p:txBody>
       </p:sp>
     </p:spTree>
+    <p:extLst>
+      <p:ext uri="{BB962C8B-B14F-4D97-AF65-F5344CB8AC3E}">
+        <p14:creationId xmlns:p14="http://schemas.microsoft.com/office/powerpoint/2010/main" val="1676039096"/>
+      </p:ext>
+    </p:extLst>
   </p:cSld>
   <p:clrMapOvr>
     <a:masterClrMapping/>
@@ -3715,6 +3673,11 @@
         </p:txBody>
       </p:sp>
     </p:spTree>
+    <p:extLst>
+      <p:ext uri="{BB962C8B-B14F-4D97-AF65-F5344CB8AC3E}">
+        <p14:creationId xmlns:p14="http://schemas.microsoft.com/office/powerpoint/2010/main" val="473685029"/>
+      </p:ext>
+    </p:extLst>
   </p:cSld>
   <p:clrMapOvr>
     <a:masterClrMapping/>
@@ -3826,6 +3789,11 @@
         </p:txBody>
       </p:sp>
     </p:spTree>
+    <p:extLst>
+      <p:ext uri="{BB962C8B-B14F-4D97-AF65-F5344CB8AC3E}">
+        <p14:creationId xmlns:p14="http://schemas.microsoft.com/office/powerpoint/2010/main" val="1868265893"/>
+      </p:ext>
+    </p:extLst>
   </p:cSld>
   <p:clrMapOvr>
     <a:masterClrMapping/>
@@ -28284,7 +28252,7 @@
           <p:nvPr>
             <p:extLst>
               <p:ext uri="{D42A27DB-BD31-4B8C-83A1-F6EECF244321}">
-                <p14:modId xmlns:p14="http://schemas.microsoft.com/office/powerpoint/2010/main" val="2060957061"/>
+                <p14:modId xmlns:p14="http://schemas.microsoft.com/office/powerpoint/2010/main" val="1629273920"/>
               </p:ext>
             </p:extLst>
           </p:nvPr>
@@ -29649,7 +29617,7 @@
           <p:nvPr>
             <p:extLst>
               <p:ext uri="{D42A27DB-BD31-4B8C-83A1-F6EECF244321}">
-                <p14:modId xmlns:p14="http://schemas.microsoft.com/office/powerpoint/2010/main" val="669658037"/>
+                <p14:modId xmlns:p14="http://schemas.microsoft.com/office/powerpoint/2010/main" val="765649727"/>
               </p:ext>
             </p:extLst>
           </p:nvPr>
@@ -30080,7 +30048,7 @@
           <p:nvPr>
             <p:extLst>
               <p:ext uri="{D42A27DB-BD31-4B8C-83A1-F6EECF244321}">
-                <p14:modId xmlns:p14="http://schemas.microsoft.com/office/powerpoint/2010/main" val="2815823142"/>
+                <p14:modId xmlns:p14="http://schemas.microsoft.com/office/powerpoint/2010/main" val="2615771400"/>
               </p:ext>
             </p:extLst>
           </p:nvPr>
@@ -33220,7 +33188,7 @@
           <p:nvPr>
             <p:extLst>
               <p:ext uri="{D42A27DB-BD31-4B8C-83A1-F6EECF244321}">
-                <p14:modId xmlns:p14="http://schemas.microsoft.com/office/powerpoint/2010/main" val="3805777768"/>
+                <p14:modId xmlns:p14="http://schemas.microsoft.com/office/powerpoint/2010/main" val="4248247070"/>
               </p:ext>
             </p:extLst>
           </p:nvPr>
